--- a/nholuong-presentation/Docker-Fundamentals-v1.pptx
+++ b/nholuong-presentation/Docker-Fundamentals-v1.pptx
@@ -3608,8 +3608,8 @@
         </p:blipFill>
         <p:spPr>
           <a:xfrm>
-            <a:off x="5062044" y="1388439"/>
-            <a:ext cx="2872134" cy="1787856"/>
+            <a:off x="5005772" y="1355747"/>
+            <a:ext cx="2872134" cy="1820548"/>
           </a:xfrm>
           <a:prstGeom prst="rect">
             <a:avLst/>
@@ -3644,8 +3644,8 @@
         </p:blipFill>
         <p:spPr>
           <a:xfrm>
-            <a:off x="2672862" y="3391686"/>
-            <a:ext cx="8229155" cy="4074135"/>
+            <a:off x="357919" y="3391686"/>
+            <a:ext cx="5269158" cy="3825040"/>
           </a:xfrm>
           <a:prstGeom prst="rect">
             <a:avLst/>
@@ -3887,6 +3887,78 @@
           </a:p>
         </p:txBody>
       </p:sp>
+      <p:pic>
+        <p:nvPicPr>
+          <p:cNvPr id="9" name="Picture 8">
+            <a:extLst>
+              <a:ext uri="{FF2B5EF4-FFF2-40B4-BE49-F238E27FC236}">
+                <a16:creationId xmlns:a16="http://schemas.microsoft.com/office/drawing/2014/main" id="{344441D3-B48D-1F4D-90FD-294958029727}"/>
+              </a:ext>
+            </a:extLst>
+          </p:cNvPr>
+          <p:cNvPicPr>
+            <a:picLocks noChangeAspect="1"/>
+          </p:cNvPicPr>
+          <p:nvPr/>
+        </p:nvPicPr>
+        <p:blipFill>
+          <a:blip r:embed="rId6">
+            <a:extLst>
+              <a:ext uri="{28A0092B-C50C-407E-A947-70E740481C1C}">
+                <a14:useLocalDpi xmlns:a14="http://schemas.microsoft.com/office/drawing/2010/main" val="0"/>
+              </a:ext>
+            </a:extLst>
+          </a:blip>
+          <a:stretch>
+            <a:fillRect/>
+          </a:stretch>
+        </p:blipFill>
+        <p:spPr>
+          <a:xfrm>
+            <a:off x="8019158" y="1355747"/>
+            <a:ext cx="2984107" cy="1820548"/>
+          </a:xfrm>
+          <a:prstGeom prst="rect">
+            <a:avLst/>
+          </a:prstGeom>
+        </p:spPr>
+      </p:pic>
+      <p:pic>
+        <p:nvPicPr>
+          <p:cNvPr id="6" name="Picture 5">
+            <a:extLst>
+              <a:ext uri="{FF2B5EF4-FFF2-40B4-BE49-F238E27FC236}">
+                <a16:creationId xmlns:a16="http://schemas.microsoft.com/office/drawing/2014/main" id="{62FBBBE9-FCE6-3E43-ABB8-E23C62D3B3D5}"/>
+              </a:ext>
+            </a:extLst>
+          </p:cNvPr>
+          <p:cNvPicPr>
+            <a:picLocks noChangeAspect="1"/>
+          </p:cNvPicPr>
+          <p:nvPr/>
+        </p:nvPicPr>
+        <p:blipFill>
+          <a:blip r:embed="rId7">
+            <a:extLst>
+              <a:ext uri="{28A0092B-C50C-407E-A947-70E740481C1C}">
+                <a14:useLocalDpi xmlns:a14="http://schemas.microsoft.com/office/drawing/2010/main" val="0"/>
+              </a:ext>
+            </a:extLst>
+          </a:blip>
+          <a:stretch>
+            <a:fillRect/>
+          </a:stretch>
+        </p:blipFill>
+        <p:spPr>
+          <a:xfrm>
+            <a:off x="5734108" y="3391686"/>
+            <a:ext cx="5269158" cy="3825040"/>
+          </a:xfrm>
+          <a:prstGeom prst="rect">
+            <a:avLst/>
+          </a:prstGeom>
+        </p:spPr>
+      </p:pic>
     </p:spTree>
     <p:extLst>
       <p:ext uri="{BB962C8B-B14F-4D97-AF65-F5344CB8AC3E}">
@@ -25763,12 +25835,9 @@
 </file>
 
 <file path=customXml/item1.xml><?xml version="1.0" encoding="utf-8"?>
-<?mso-contentType ?>
-<FormTemplates xmlns="http://schemas.microsoft.com/sharepoint/v3/contenttype/forms">
-  <Display>DocumentLibraryForm</Display>
-  <Edit>DocumentLibraryForm</Edit>
-  <New>DocumentLibraryForm</New>
-</FormTemplates>
+<p:properties xmlns:p="http://schemas.microsoft.com/office/2006/metadata/properties" xmlns:xsi="http://www.w3.org/2001/XMLSchema-instance" xmlns:pc="http://schemas.microsoft.com/office/infopath/2007/PartnerControls">
+  <documentManagement/>
+</p:properties>
 </file>
 
 <file path=customXml/item2.xml><?xml version="1.0" encoding="utf-8"?>
@@ -25977,15 +26046,27 @@
 </file>
 
 <file path=customXml/item3.xml><?xml version="1.0" encoding="utf-8"?>
-<p:properties xmlns:p="http://schemas.microsoft.com/office/2006/metadata/properties" xmlns:xsi="http://www.w3.org/2001/XMLSchema-instance" xmlns:pc="http://schemas.microsoft.com/office/infopath/2007/PartnerControls">
-  <documentManagement/>
-</p:properties>
+<?mso-contentType ?>
+<FormTemplates xmlns="http://schemas.microsoft.com/sharepoint/v3/contenttype/forms">
+  <Display>DocumentLibraryForm</Display>
+  <Edit>DocumentLibraryForm</Edit>
+  <New>DocumentLibraryForm</New>
+</FormTemplates>
 </file>
 
 <file path=customXml/itemProps1.xml><?xml version="1.0" encoding="utf-8"?>
-<ds:datastoreItem xmlns:ds="http://schemas.openxmlformats.org/officeDocument/2006/customXml" ds:itemID="{92F2D375-1062-4EE6-861C-05377A63E419}">
+<ds:datastoreItem xmlns:ds="http://schemas.openxmlformats.org/officeDocument/2006/customXml" ds:itemID="{8CEC2339-1C1C-416D-9A21-94E8CFA5CBF4}">
   <ds:schemaRefs>
-    <ds:schemaRef ds:uri="http://schemas.microsoft.com/sharepoint/v3/contenttype/forms"/>
+    <ds:schemaRef ds:uri="http://schemas.microsoft.com/office/2006/metadata/properties"/>
+    <ds:schemaRef ds:uri="http://purl.org/dc/terms/"/>
+    <ds:schemaRef ds:uri="http://schemas.microsoft.com/office/2006/documentManagement/types"/>
+    <ds:schemaRef ds:uri="http://purl.org/dc/elements/1.1/"/>
+    <ds:schemaRef ds:uri="9a51ea1a-1b1e-41ef-b441-1ee4f2fd8669"/>
+    <ds:schemaRef ds:uri="http://purl.org/dc/dcmitype/"/>
+    <ds:schemaRef ds:uri="http://schemas.microsoft.com/office/infopath/2007/PartnerControls"/>
+    <ds:schemaRef ds:uri="http://schemas.openxmlformats.org/package/2006/metadata/core-properties"/>
+    <ds:schemaRef ds:uri="1715a332-6e4d-4cad-94c4-6bada4eb9966"/>
+    <ds:schemaRef ds:uri="http://www.w3.org/XML/1998/namespace"/>
   </ds:schemaRefs>
 </ds:datastoreItem>
 </file>
@@ -26010,18 +26091,9 @@
 </file>
 
 <file path=customXml/itemProps3.xml><?xml version="1.0" encoding="utf-8"?>
-<ds:datastoreItem xmlns:ds="http://schemas.openxmlformats.org/officeDocument/2006/customXml" ds:itemID="{8CEC2339-1C1C-416D-9A21-94E8CFA5CBF4}">
+<ds:datastoreItem xmlns:ds="http://schemas.openxmlformats.org/officeDocument/2006/customXml" ds:itemID="{92F2D375-1062-4EE6-861C-05377A63E419}">
   <ds:schemaRefs>
-    <ds:schemaRef ds:uri="http://schemas.microsoft.com/office/2006/metadata/properties"/>
-    <ds:schemaRef ds:uri="http://purl.org/dc/terms/"/>
-    <ds:schemaRef ds:uri="http://schemas.microsoft.com/office/2006/documentManagement/types"/>
-    <ds:schemaRef ds:uri="http://purl.org/dc/elements/1.1/"/>
-    <ds:schemaRef ds:uri="9a51ea1a-1b1e-41ef-b441-1ee4f2fd8669"/>
-    <ds:schemaRef ds:uri="http://purl.org/dc/dcmitype/"/>
-    <ds:schemaRef ds:uri="http://schemas.microsoft.com/office/infopath/2007/PartnerControls"/>
-    <ds:schemaRef ds:uri="http://schemas.openxmlformats.org/package/2006/metadata/core-properties"/>
-    <ds:schemaRef ds:uri="1715a332-6e4d-4cad-94c4-6bada4eb9966"/>
-    <ds:schemaRef ds:uri="http://www.w3.org/XML/1998/namespace"/>
+    <ds:schemaRef ds:uri="http://schemas.microsoft.com/sharepoint/v3/contenttype/forms"/>
   </ds:schemaRefs>
 </ds:datastoreItem>
 </file>